--- a/jrw/2019/L6/FireBase2.pptx
+++ b/jrw/2019/L6/FireBase2.pptx
@@ -6901,16 +6901,30 @@
                 </a:solidFill>
                 <a:hlinkClick r:id="rId4"/>
               </a:rPr>
-              <a:t>http://bit.ly/2FimmsZ</a:t>
+              <a:t>https://youtu.be</a:t>
             </a:r>
             <a:r>
-              <a:rPr lang="en-US" sz="3200" dirty="0">
+              <a:rPr lang="en-US" sz="3200">
+                <a:solidFill>
+                  <a:srgbClr val="000000"/>
+                </a:solidFill>
+                <a:hlinkClick r:id="rId4"/>
+              </a:rPr>
+              <a:t>/pXFMQAl6XBM</a:t>
+            </a:r>
+            <a:r>
+              <a:rPr lang="en-US" sz="3200">
                 <a:solidFill>
                   <a:srgbClr val="000000"/>
                 </a:solidFill>
               </a:rPr>
               <a:t> </a:t>
             </a:r>
+            <a:endParaRPr lang="en-US" sz="3200" dirty="0">
+              <a:solidFill>
+                <a:srgbClr val="000000"/>
+              </a:solidFill>
+            </a:endParaRPr>
           </a:p>
         </p:txBody>
       </p:sp>
